--- a/Предзащита Дуанбай и Куминов.pptx
+++ b/Предзащита Дуанбай и Куминов.pptx
@@ -212,7 +212,7 @@
           <a:p>
             <a:fld id="{7C048965-C0AF-46F2-BCDE-535392CAC928}" type="datetimeFigureOut">
               <a:rPr lang="ru-RU" smtClean="0"/>
-              <a:t>06.05.2025</a:t>
+              <a:t>21.05.2025</a:t>
             </a:fld>
             <a:endParaRPr lang="ru-RU"/>
           </a:p>
@@ -710,7 +710,7 @@
           <a:p>
             <a:fld id="{8B8D176F-9AD5-4212-966F-BC551B7D39CB}" type="datetime1">
               <a:rPr lang="ru-RU" smtClean="0"/>
-              <a:t>06.05.2025</a:t>
+              <a:t>21.05.2025</a:t>
             </a:fld>
             <a:endParaRPr lang="ru-RU"/>
           </a:p>
@@ -908,7 +908,7 @@
           <a:p>
             <a:fld id="{51283388-53A1-4A7A-B779-89EA744EAD6C}" type="datetime1">
               <a:rPr lang="ru-RU" smtClean="0"/>
-              <a:t>06.05.2025</a:t>
+              <a:t>21.05.2025</a:t>
             </a:fld>
             <a:endParaRPr lang="ru-RU"/>
           </a:p>
@@ -1116,7 +1116,7 @@
           <a:p>
             <a:fld id="{D6E70D87-5845-45EB-9366-B2E9C274C8A0}" type="datetime1">
               <a:rPr lang="ru-RU" smtClean="0"/>
-              <a:t>06.05.2025</a:t>
+              <a:t>21.05.2025</a:t>
             </a:fld>
             <a:endParaRPr lang="ru-RU"/>
           </a:p>
@@ -1314,7 +1314,7 @@
           <a:p>
             <a:fld id="{A4DD6B5F-F655-4B0C-A638-2CC2864E5237}" type="datetime1">
               <a:rPr lang="ru-RU" smtClean="0"/>
-              <a:t>06.05.2025</a:t>
+              <a:t>21.05.2025</a:t>
             </a:fld>
             <a:endParaRPr lang="ru-RU"/>
           </a:p>
@@ -1589,7 +1589,7 @@
           <a:p>
             <a:fld id="{706D9F30-0001-4C88-A757-EF300667B848}" type="datetime1">
               <a:rPr lang="ru-RU" smtClean="0"/>
-              <a:t>06.05.2025</a:t>
+              <a:t>21.05.2025</a:t>
             </a:fld>
             <a:endParaRPr lang="ru-RU"/>
           </a:p>
@@ -1854,7 +1854,7 @@
           <a:p>
             <a:fld id="{CD5E461F-B52D-4597-8D08-A7FA3813F108}" type="datetime1">
               <a:rPr lang="ru-RU" smtClean="0"/>
-              <a:t>06.05.2025</a:t>
+              <a:t>21.05.2025</a:t>
             </a:fld>
             <a:endParaRPr lang="ru-RU"/>
           </a:p>
@@ -2266,7 +2266,7 @@
           <a:p>
             <a:fld id="{070549FB-CD3B-4A8B-A62C-17C6F5E88458}" type="datetime1">
               <a:rPr lang="ru-RU" smtClean="0"/>
-              <a:t>06.05.2025</a:t>
+              <a:t>21.05.2025</a:t>
             </a:fld>
             <a:endParaRPr lang="ru-RU"/>
           </a:p>
@@ -2407,7 +2407,7 @@
           <a:p>
             <a:fld id="{6129CEAE-FA7E-4194-B61E-AC7F82B00B66}" type="datetime1">
               <a:rPr lang="ru-RU" smtClean="0"/>
-              <a:t>06.05.2025</a:t>
+              <a:t>21.05.2025</a:t>
             </a:fld>
             <a:endParaRPr lang="ru-RU"/>
           </a:p>
@@ -2520,7 +2520,7 @@
           <a:p>
             <a:fld id="{2BCFA20D-7E7F-4155-B52C-8090FCD4DC60}" type="datetime1">
               <a:rPr lang="ru-RU" smtClean="0"/>
-              <a:t>06.05.2025</a:t>
+              <a:t>21.05.2025</a:t>
             </a:fld>
             <a:endParaRPr lang="ru-RU"/>
           </a:p>
@@ -2831,7 +2831,7 @@
           <a:p>
             <a:fld id="{8F3009D0-2B46-4917-9BF7-5637EB36D9C1}" type="datetime1">
               <a:rPr lang="ru-RU" smtClean="0"/>
-              <a:t>06.05.2025</a:t>
+              <a:t>21.05.2025</a:t>
             </a:fld>
             <a:endParaRPr lang="ru-RU"/>
           </a:p>
@@ -3119,7 +3119,7 @@
           <a:p>
             <a:fld id="{7FFD5047-6F3B-4D55-B0D5-8197198934FF}" type="datetime1">
               <a:rPr lang="ru-RU" smtClean="0"/>
-              <a:t>06.05.2025</a:t>
+              <a:t>21.05.2025</a:t>
             </a:fld>
             <a:endParaRPr lang="ru-RU"/>
           </a:p>
@@ -3360,7 +3360,7 @@
           <a:p>
             <a:fld id="{B8D72240-EF7B-42B1-9D53-25D45EE18686}" type="datetime1">
               <a:rPr lang="ru-RU" smtClean="0"/>
-              <a:t>06.05.2025</a:t>
+              <a:t>21.05.2025</a:t>
             </a:fld>
             <a:endParaRPr lang="ru-RU"/>
           </a:p>
@@ -4640,7 +4640,12 @@
             <p:ph type="title"/>
           </p:nvPr>
         </p:nvSpPr>
-        <p:spPr/>
+        <p:spPr>
+          <a:xfrm>
+            <a:off x="838200" y="365125"/>
+            <a:ext cx="10439400" cy="1325563"/>
+          </a:xfrm>
+        </p:spPr>
         <p:txBody>
           <a:bodyPr/>
           <a:lstStyle/>
@@ -4754,8 +4759,8 @@
         </p:blipFill>
         <p:spPr>
           <a:xfrm>
-            <a:off x="5383762" y="1009651"/>
-            <a:ext cx="6951306" cy="5167312"/>
+            <a:off x="5501640" y="960120"/>
+            <a:ext cx="6833428" cy="5216843"/>
           </a:xfrm>
           <a:prstGeom prst="rect">
             <a:avLst/>

--- a/Предзащита Дуанбай и Куминов.pptx
+++ b/Предзащита Дуанбай и Куминов.pptx
@@ -212,7 +212,7 @@
           <a:p>
             <a:fld id="{7C048965-C0AF-46F2-BCDE-535392CAC928}" type="datetimeFigureOut">
               <a:rPr lang="ru-RU" smtClean="0"/>
-              <a:t>21.05.2025</a:t>
+              <a:t>23.05.2025</a:t>
             </a:fld>
             <a:endParaRPr lang="ru-RU"/>
           </a:p>
@@ -710,7 +710,7 @@
           <a:p>
             <a:fld id="{8B8D176F-9AD5-4212-966F-BC551B7D39CB}" type="datetime1">
               <a:rPr lang="ru-RU" smtClean="0"/>
-              <a:t>21.05.2025</a:t>
+              <a:t>23.05.2025</a:t>
             </a:fld>
             <a:endParaRPr lang="ru-RU"/>
           </a:p>
@@ -908,7 +908,7 @@
           <a:p>
             <a:fld id="{51283388-53A1-4A7A-B779-89EA744EAD6C}" type="datetime1">
               <a:rPr lang="ru-RU" smtClean="0"/>
-              <a:t>21.05.2025</a:t>
+              <a:t>23.05.2025</a:t>
             </a:fld>
             <a:endParaRPr lang="ru-RU"/>
           </a:p>
@@ -1116,7 +1116,7 @@
           <a:p>
             <a:fld id="{D6E70D87-5845-45EB-9366-B2E9C274C8A0}" type="datetime1">
               <a:rPr lang="ru-RU" smtClean="0"/>
-              <a:t>21.05.2025</a:t>
+              <a:t>23.05.2025</a:t>
             </a:fld>
             <a:endParaRPr lang="ru-RU"/>
           </a:p>
@@ -1314,7 +1314,7 @@
           <a:p>
             <a:fld id="{A4DD6B5F-F655-4B0C-A638-2CC2864E5237}" type="datetime1">
               <a:rPr lang="ru-RU" smtClean="0"/>
-              <a:t>21.05.2025</a:t>
+              <a:t>23.05.2025</a:t>
             </a:fld>
             <a:endParaRPr lang="ru-RU"/>
           </a:p>
@@ -1589,7 +1589,7 @@
           <a:p>
             <a:fld id="{706D9F30-0001-4C88-A757-EF300667B848}" type="datetime1">
               <a:rPr lang="ru-RU" smtClean="0"/>
-              <a:t>21.05.2025</a:t>
+              <a:t>23.05.2025</a:t>
             </a:fld>
             <a:endParaRPr lang="ru-RU"/>
           </a:p>
@@ -1854,7 +1854,7 @@
           <a:p>
             <a:fld id="{CD5E461F-B52D-4597-8D08-A7FA3813F108}" type="datetime1">
               <a:rPr lang="ru-RU" smtClean="0"/>
-              <a:t>21.05.2025</a:t>
+              <a:t>23.05.2025</a:t>
             </a:fld>
             <a:endParaRPr lang="ru-RU"/>
           </a:p>
@@ -2266,7 +2266,7 @@
           <a:p>
             <a:fld id="{070549FB-CD3B-4A8B-A62C-17C6F5E88458}" type="datetime1">
               <a:rPr lang="ru-RU" smtClean="0"/>
-              <a:t>21.05.2025</a:t>
+              <a:t>23.05.2025</a:t>
             </a:fld>
             <a:endParaRPr lang="ru-RU"/>
           </a:p>
@@ -2407,7 +2407,7 @@
           <a:p>
             <a:fld id="{6129CEAE-FA7E-4194-B61E-AC7F82B00B66}" type="datetime1">
               <a:rPr lang="ru-RU" smtClean="0"/>
-              <a:t>21.05.2025</a:t>
+              <a:t>23.05.2025</a:t>
             </a:fld>
             <a:endParaRPr lang="ru-RU"/>
           </a:p>
@@ -2520,7 +2520,7 @@
           <a:p>
             <a:fld id="{2BCFA20D-7E7F-4155-B52C-8090FCD4DC60}" type="datetime1">
               <a:rPr lang="ru-RU" smtClean="0"/>
-              <a:t>21.05.2025</a:t>
+              <a:t>23.05.2025</a:t>
             </a:fld>
             <a:endParaRPr lang="ru-RU"/>
           </a:p>
@@ -2831,7 +2831,7 @@
           <a:p>
             <a:fld id="{8F3009D0-2B46-4917-9BF7-5637EB36D9C1}" type="datetime1">
               <a:rPr lang="ru-RU" smtClean="0"/>
-              <a:t>21.05.2025</a:t>
+              <a:t>23.05.2025</a:t>
             </a:fld>
             <a:endParaRPr lang="ru-RU"/>
           </a:p>
@@ -3119,7 +3119,7 @@
           <a:p>
             <a:fld id="{7FFD5047-6F3B-4D55-B0D5-8197198934FF}" type="datetime1">
               <a:rPr lang="ru-RU" smtClean="0"/>
-              <a:t>21.05.2025</a:t>
+              <a:t>23.05.2025</a:t>
             </a:fld>
             <a:endParaRPr lang="ru-RU"/>
           </a:p>
@@ -3360,7 +3360,7 @@
           <a:p>
             <a:fld id="{B8D72240-EF7B-42B1-9D53-25D45EE18686}" type="datetime1">
               <a:rPr lang="ru-RU" smtClean="0"/>
-              <a:t>21.05.2025</a:t>
+              <a:t>23.05.2025</a:t>
             </a:fld>
             <a:endParaRPr lang="ru-RU"/>
           </a:p>
@@ -4146,20 +4146,37 @@
         </p:nvSpPr>
         <p:spPr>
           <a:xfrm>
-            <a:off x="274320" y="1825625"/>
-            <a:ext cx="4389120" cy="4351338"/>
+            <a:off x="838200" y="1825625"/>
+            <a:ext cx="3825240" cy="4351338"/>
           </a:xfrm>
         </p:spPr>
         <p:txBody>
           <a:bodyPr/>
           <a:lstStyle/>
           <a:p>
+            <a:pPr marL="0" indent="0">
+              <a:buNone/>
+            </a:pPr>
             <a:r>
               <a:rPr lang="ru-RU" dirty="0">
                 <a:latin typeface="Times New Roman" panose="02020603050405020304" pitchFamily="18" charset="0"/>
                 <a:cs typeface="Times New Roman" panose="02020603050405020304" pitchFamily="18" charset="0"/>
               </a:rPr>
-              <a:t>В панели администратора админ может управлять меню, заказами, бронями, пользователями, менять настройки сайта и перейти в СППР</a:t>
+              <a:t>В панели</a:t>
+            </a:r>
+            <a:r>
+              <a:rPr lang="ru-RU" sz="1000" dirty="0">
+                <a:latin typeface="Times New Roman" panose="02020603050405020304" pitchFamily="18" charset="0"/>
+                <a:cs typeface="Times New Roman" panose="02020603050405020304" pitchFamily="18" charset="0"/>
+              </a:rPr>
+              <a:t> </a:t>
+            </a:r>
+            <a:r>
+              <a:rPr lang="ru-RU" dirty="0">
+                <a:latin typeface="Times New Roman" panose="02020603050405020304" pitchFamily="18" charset="0"/>
+                <a:cs typeface="Times New Roman" panose="02020603050405020304" pitchFamily="18" charset="0"/>
+              </a:rPr>
+              <a:t>администратора админ может управлять меню, заказами, бронями, пользователями, менять настройки сайта и перейти в СППР</a:t>
             </a:r>
           </a:p>
         </p:txBody>
@@ -4310,7 +4327,7 @@
         </p:nvSpPr>
         <p:spPr>
           <a:xfrm>
-            <a:off x="304800" y="1825625"/>
+            <a:off x="866193" y="1825625"/>
             <a:ext cx="3962400" cy="4351338"/>
           </a:xfrm>
         </p:spPr>
@@ -4651,7 +4668,10 @@
           <a:lstStyle/>
           <a:p>
             <a:r>
-              <a:rPr lang="ru-RU" dirty="0"/>
+              <a:rPr lang="ru-RU" dirty="0">
+                <a:latin typeface="Times New Roman" panose="02020603050405020304" pitchFamily="18" charset="0"/>
+                <a:cs typeface="Times New Roman" panose="02020603050405020304" pitchFamily="18" charset="0"/>
+              </a:rPr>
               <a:t>Финансовый обзор</a:t>
             </a:r>
           </a:p>
@@ -5278,13 +5298,12 @@
               <a:buNone/>
             </a:pPr>
             <a:r>
-              <a:rPr lang="ru-RU" dirty="0"/>
+              <a:rPr lang="ru-RU" dirty="0">
+                <a:latin typeface="Times New Roman" panose="02020603050405020304" pitchFamily="18" charset="0"/>
+                <a:cs typeface="Times New Roman" panose="02020603050405020304" pitchFamily="18" charset="0"/>
+              </a:rPr>
               <a:t>В ходе проекта была разработана система поддержки принятия решений для управления рестораном. Решение автоматизирует ключевые процессы: бронирование столиков, оформление заказов, работу персонала и аналитику. Это повысило эффективность обслуживания, снизило нагрузку на сотрудников и обеспечило инструмент для принятия обоснованных управленческих решений.</a:t>
             </a:r>
-            <a:endParaRPr lang="ru-RU" dirty="0">
-              <a:latin typeface="Times New Roman" panose="02020603050405020304" pitchFamily="18" charset="0"/>
-              <a:cs typeface="Times New Roman" panose="02020603050405020304" pitchFamily="18" charset="0"/>
-            </a:endParaRPr>
           </a:p>
         </p:txBody>
       </p:sp>
@@ -6529,7 +6548,7 @@
         </p:blipFill>
         <p:spPr>
           <a:xfrm>
-            <a:off x="6251575" y="4043045"/>
+            <a:off x="6251575" y="3677920"/>
             <a:ext cx="5940425" cy="2678430"/>
           </a:xfrm>
           <a:prstGeom prst="rect">
@@ -7012,7 +7031,7 @@
                 <a:latin typeface="Times New Roman" panose="02020603050405020304" pitchFamily="18" charset="0"/>
                 <a:cs typeface="Times New Roman" panose="02020603050405020304" pitchFamily="18" charset="0"/>
               </a:rPr>
-              <a:t>Официант создает заказ за место гостя, в случае если гость не имеет аккаунта </a:t>
+              <a:t>Официант создает заказ за место гостя, в случае если гость не имеет аккаунта или не желает создавать его</a:t>
             </a:r>
           </a:p>
         </p:txBody>
